--- a/SnapVac3D-v1.0/ReadMeImages/ReadMePPT.pptx
+++ b/SnapVac3D-v1.0/ReadMeImages/ReadMePPT.pptx
@@ -104,6 +104,11 @@
       </a:defRPr>
     </a:lvl9pPr>
   </p:defaultTextStyle>
+  <p:extLst>
+    <p:ext uri="{EFAFB233-063F-42B5-8137-9DF3F51BA10A}">
+      <p15:sldGuideLst xmlns:p15="http://schemas.microsoft.com/office/powerpoint/2012/main"/>
+    </p:ext>
+  </p:extLst>
 </p:presentation>
 </file>
 
@@ -256,7 +261,7 @@
           <a:p>
             <a:fld id="{4B1707ED-34AF-4580-B1E9-E117694A1AC2}" type="datetimeFigureOut">
               <a:rPr lang="en-GB" smtClean="0"/>
-              <a:t>13/11/2024</a:t>
+              <a:t>14/11/2024</a:t>
             </a:fld>
             <a:endParaRPr lang="en-GB"/>
           </a:p>
@@ -456,7 +461,7 @@
           <a:p>
             <a:fld id="{4B1707ED-34AF-4580-B1E9-E117694A1AC2}" type="datetimeFigureOut">
               <a:rPr lang="en-GB" smtClean="0"/>
-              <a:t>13/11/2024</a:t>
+              <a:t>14/11/2024</a:t>
             </a:fld>
             <a:endParaRPr lang="en-GB"/>
           </a:p>
@@ -666,7 +671,7 @@
           <a:p>
             <a:fld id="{4B1707ED-34AF-4580-B1E9-E117694A1AC2}" type="datetimeFigureOut">
               <a:rPr lang="en-GB" smtClean="0"/>
-              <a:t>13/11/2024</a:t>
+              <a:t>14/11/2024</a:t>
             </a:fld>
             <a:endParaRPr lang="en-GB"/>
           </a:p>
@@ -866,7 +871,7 @@
           <a:p>
             <a:fld id="{4B1707ED-34AF-4580-B1E9-E117694A1AC2}" type="datetimeFigureOut">
               <a:rPr lang="en-GB" smtClean="0"/>
-              <a:t>13/11/2024</a:t>
+              <a:t>14/11/2024</a:t>
             </a:fld>
             <a:endParaRPr lang="en-GB"/>
           </a:p>
@@ -1142,7 +1147,7 @@
           <a:p>
             <a:fld id="{4B1707ED-34AF-4580-B1E9-E117694A1AC2}" type="datetimeFigureOut">
               <a:rPr lang="en-GB" smtClean="0"/>
-              <a:t>13/11/2024</a:t>
+              <a:t>14/11/2024</a:t>
             </a:fld>
             <a:endParaRPr lang="en-GB"/>
           </a:p>
@@ -1410,7 +1415,7 @@
           <a:p>
             <a:fld id="{4B1707ED-34AF-4580-B1E9-E117694A1AC2}" type="datetimeFigureOut">
               <a:rPr lang="en-GB" smtClean="0"/>
-              <a:t>13/11/2024</a:t>
+              <a:t>14/11/2024</a:t>
             </a:fld>
             <a:endParaRPr lang="en-GB"/>
           </a:p>
@@ -1825,7 +1830,7 @@
           <a:p>
             <a:fld id="{4B1707ED-34AF-4580-B1E9-E117694A1AC2}" type="datetimeFigureOut">
               <a:rPr lang="en-GB" smtClean="0"/>
-              <a:t>13/11/2024</a:t>
+              <a:t>14/11/2024</a:t>
             </a:fld>
             <a:endParaRPr lang="en-GB"/>
           </a:p>
@@ -1967,7 +1972,7 @@
           <a:p>
             <a:fld id="{4B1707ED-34AF-4580-B1E9-E117694A1AC2}" type="datetimeFigureOut">
               <a:rPr lang="en-GB" smtClean="0"/>
-              <a:t>13/11/2024</a:t>
+              <a:t>14/11/2024</a:t>
             </a:fld>
             <a:endParaRPr lang="en-GB"/>
           </a:p>
@@ -2080,7 +2085,7 @@
           <a:p>
             <a:fld id="{4B1707ED-34AF-4580-B1E9-E117694A1AC2}" type="datetimeFigureOut">
               <a:rPr lang="en-GB" smtClean="0"/>
-              <a:t>13/11/2024</a:t>
+              <a:t>14/11/2024</a:t>
             </a:fld>
             <a:endParaRPr lang="en-GB"/>
           </a:p>
@@ -2393,7 +2398,7 @@
           <a:p>
             <a:fld id="{4B1707ED-34AF-4580-B1E9-E117694A1AC2}" type="datetimeFigureOut">
               <a:rPr lang="en-GB" smtClean="0"/>
-              <a:t>13/11/2024</a:t>
+              <a:t>14/11/2024</a:t>
             </a:fld>
             <a:endParaRPr lang="en-GB"/>
           </a:p>
@@ -2682,7 +2687,7 @@
           <a:p>
             <a:fld id="{4B1707ED-34AF-4580-B1E9-E117694A1AC2}" type="datetimeFigureOut">
               <a:rPr lang="en-GB" smtClean="0"/>
-              <a:t>13/11/2024</a:t>
+              <a:t>14/11/2024</a:t>
             </a:fld>
             <a:endParaRPr lang="en-GB"/>
           </a:p>
@@ -2925,7 +2930,7 @@
           <a:p>
             <a:fld id="{4B1707ED-34AF-4580-B1E9-E117694A1AC2}" type="datetimeFigureOut">
               <a:rPr lang="en-GB" smtClean="0"/>
-              <a:t>13/11/2024</a:t>
+              <a:t>14/11/2024</a:t>
             </a:fld>
             <a:endParaRPr lang="en-GB"/>
           </a:p>
@@ -3344,10 +3349,10 @@
       </p:grpSpPr>
       <p:pic>
         <p:nvPicPr>
-          <p:cNvPr id="4" name="Picture 3" descr="A screenshot of a computer&#10;&#10;Description automatically generated">
-            <a:extLst>
-              <a:ext uri="{FF2B5EF4-FFF2-40B4-BE49-F238E27FC236}">
-                <a16:creationId xmlns:a16="http://schemas.microsoft.com/office/drawing/2014/main" id="{645E2075-0678-FCB4-E701-602E0B9CD48C}"/>
+          <p:cNvPr id="3" name="Picture 2" descr="A screenshot of a computer&#10;&#10;Description automatically generated">
+            <a:extLst>
+              <a:ext uri="{FF2B5EF4-FFF2-40B4-BE49-F238E27FC236}">
+                <a16:creationId xmlns:a16="http://schemas.microsoft.com/office/drawing/2014/main" id="{7E406927-83A7-692E-CC11-A45105BF7800}"/>
               </a:ext>
             </a:extLst>
           </p:cNvPr>
@@ -3356,7 +3361,7 @@
           </p:cNvPicPr>
           <p:nvPr/>
         </p:nvPicPr>
-        <p:blipFill rotWithShape="1">
+        <p:blipFill>
           <a:blip r:embed="rId2">
             <a:extLst>
               <a:ext uri="{28A0092B-C50C-407E-A947-70E740481C1C}">
@@ -3364,13 +3369,14 @@
               </a:ext>
             </a:extLst>
           </a:blip>
-          <a:srcRect/>
-          <a:stretch/>
+          <a:stretch>
+            <a:fillRect/>
+          </a:stretch>
         </p:blipFill>
         <p:spPr>
           <a:xfrm>
-            <a:off x="181402" y="508226"/>
-            <a:ext cx="11829196" cy="4070900"/>
+            <a:off x="102909" y="508226"/>
+            <a:ext cx="11986183" cy="4065735"/>
           </a:xfrm>
           <a:prstGeom prst="rect">
             <a:avLst/>

--- a/SnapVac3D-v1.0/ReadMeImages/ReadMePPT.pptx
+++ b/SnapVac3D-v1.0/ReadMeImages/ReadMePPT.pptx
@@ -261,7 +261,7 @@
           <a:p>
             <a:fld id="{4B1707ED-34AF-4580-B1E9-E117694A1AC2}" type="datetimeFigureOut">
               <a:rPr lang="en-GB" smtClean="0"/>
-              <a:t>14/11/2024</a:t>
+              <a:t>26/11/2024</a:t>
             </a:fld>
             <a:endParaRPr lang="en-GB"/>
           </a:p>
@@ -461,7 +461,7 @@
           <a:p>
             <a:fld id="{4B1707ED-34AF-4580-B1E9-E117694A1AC2}" type="datetimeFigureOut">
               <a:rPr lang="en-GB" smtClean="0"/>
-              <a:t>14/11/2024</a:t>
+              <a:t>26/11/2024</a:t>
             </a:fld>
             <a:endParaRPr lang="en-GB"/>
           </a:p>
@@ -671,7 +671,7 @@
           <a:p>
             <a:fld id="{4B1707ED-34AF-4580-B1E9-E117694A1AC2}" type="datetimeFigureOut">
               <a:rPr lang="en-GB" smtClean="0"/>
-              <a:t>14/11/2024</a:t>
+              <a:t>26/11/2024</a:t>
             </a:fld>
             <a:endParaRPr lang="en-GB"/>
           </a:p>
@@ -871,7 +871,7 @@
           <a:p>
             <a:fld id="{4B1707ED-34AF-4580-B1E9-E117694A1AC2}" type="datetimeFigureOut">
               <a:rPr lang="en-GB" smtClean="0"/>
-              <a:t>14/11/2024</a:t>
+              <a:t>26/11/2024</a:t>
             </a:fld>
             <a:endParaRPr lang="en-GB"/>
           </a:p>
@@ -1147,7 +1147,7 @@
           <a:p>
             <a:fld id="{4B1707ED-34AF-4580-B1E9-E117694A1AC2}" type="datetimeFigureOut">
               <a:rPr lang="en-GB" smtClean="0"/>
-              <a:t>14/11/2024</a:t>
+              <a:t>26/11/2024</a:t>
             </a:fld>
             <a:endParaRPr lang="en-GB"/>
           </a:p>
@@ -1415,7 +1415,7 @@
           <a:p>
             <a:fld id="{4B1707ED-34AF-4580-B1E9-E117694A1AC2}" type="datetimeFigureOut">
               <a:rPr lang="en-GB" smtClean="0"/>
-              <a:t>14/11/2024</a:t>
+              <a:t>26/11/2024</a:t>
             </a:fld>
             <a:endParaRPr lang="en-GB"/>
           </a:p>
@@ -1830,7 +1830,7 @@
           <a:p>
             <a:fld id="{4B1707ED-34AF-4580-B1E9-E117694A1AC2}" type="datetimeFigureOut">
               <a:rPr lang="en-GB" smtClean="0"/>
-              <a:t>14/11/2024</a:t>
+              <a:t>26/11/2024</a:t>
             </a:fld>
             <a:endParaRPr lang="en-GB"/>
           </a:p>
@@ -1972,7 +1972,7 @@
           <a:p>
             <a:fld id="{4B1707ED-34AF-4580-B1E9-E117694A1AC2}" type="datetimeFigureOut">
               <a:rPr lang="en-GB" smtClean="0"/>
-              <a:t>14/11/2024</a:t>
+              <a:t>26/11/2024</a:t>
             </a:fld>
             <a:endParaRPr lang="en-GB"/>
           </a:p>
@@ -2085,7 +2085,7 @@
           <a:p>
             <a:fld id="{4B1707ED-34AF-4580-B1E9-E117694A1AC2}" type="datetimeFigureOut">
               <a:rPr lang="en-GB" smtClean="0"/>
-              <a:t>14/11/2024</a:t>
+              <a:t>26/11/2024</a:t>
             </a:fld>
             <a:endParaRPr lang="en-GB"/>
           </a:p>
@@ -2398,7 +2398,7 @@
           <a:p>
             <a:fld id="{4B1707ED-34AF-4580-B1E9-E117694A1AC2}" type="datetimeFigureOut">
               <a:rPr lang="en-GB" smtClean="0"/>
-              <a:t>14/11/2024</a:t>
+              <a:t>26/11/2024</a:t>
             </a:fld>
             <a:endParaRPr lang="en-GB"/>
           </a:p>
@@ -2687,7 +2687,7 @@
           <a:p>
             <a:fld id="{4B1707ED-34AF-4580-B1E9-E117694A1AC2}" type="datetimeFigureOut">
               <a:rPr lang="en-GB" smtClean="0"/>
-              <a:t>14/11/2024</a:t>
+              <a:t>26/11/2024</a:t>
             </a:fld>
             <a:endParaRPr lang="en-GB"/>
           </a:p>
@@ -2930,7 +2930,7 @@
           <a:p>
             <a:fld id="{4B1707ED-34AF-4580-B1E9-E117694A1AC2}" type="datetimeFigureOut">
               <a:rPr lang="en-GB" smtClean="0"/>
-              <a:t>14/11/2024</a:t>
+              <a:t>26/11/2024</a:t>
             </a:fld>
             <a:endParaRPr lang="en-GB"/>
           </a:p>
@@ -3349,10 +3349,10 @@
       </p:grpSpPr>
       <p:pic>
         <p:nvPicPr>
-          <p:cNvPr id="3" name="Picture 2" descr="A screenshot of a computer&#10;&#10;Description automatically generated">
-            <a:extLst>
-              <a:ext uri="{FF2B5EF4-FFF2-40B4-BE49-F238E27FC236}">
-                <a16:creationId xmlns:a16="http://schemas.microsoft.com/office/drawing/2014/main" id="{7E406927-83A7-692E-CC11-A45105BF7800}"/>
+          <p:cNvPr id="4" name="Picture 3" descr="A screenshot of a computer&#10;&#10;Description automatically generated">
+            <a:extLst>
+              <a:ext uri="{FF2B5EF4-FFF2-40B4-BE49-F238E27FC236}">
+                <a16:creationId xmlns:a16="http://schemas.microsoft.com/office/drawing/2014/main" id="{A08EB5F3-7BD8-5969-9EDE-C47A21DB72F5}"/>
               </a:ext>
             </a:extLst>
           </p:cNvPr>
@@ -3375,8 +3375,8 @@
         </p:blipFill>
         <p:spPr>
           <a:xfrm>
-            <a:off x="102909" y="508226"/>
-            <a:ext cx="11986183" cy="4065735"/>
+            <a:off x="240932" y="511483"/>
+            <a:ext cx="11593260" cy="4075206"/>
           </a:xfrm>
           <a:prstGeom prst="rect">
             <a:avLst/>

--- a/SnapVac3D-v1.0/ReadMeImages/ReadMePPT.pptx
+++ b/SnapVac3D-v1.0/ReadMeImages/ReadMePPT.pptx
@@ -261,7 +261,7 @@
           <a:p>
             <a:fld id="{4B1707ED-34AF-4580-B1E9-E117694A1AC2}" type="datetimeFigureOut">
               <a:rPr lang="en-GB" smtClean="0"/>
-              <a:t>26/11/2024</a:t>
+              <a:t>27/11/2024</a:t>
             </a:fld>
             <a:endParaRPr lang="en-GB"/>
           </a:p>
@@ -461,7 +461,7 @@
           <a:p>
             <a:fld id="{4B1707ED-34AF-4580-B1E9-E117694A1AC2}" type="datetimeFigureOut">
               <a:rPr lang="en-GB" smtClean="0"/>
-              <a:t>26/11/2024</a:t>
+              <a:t>27/11/2024</a:t>
             </a:fld>
             <a:endParaRPr lang="en-GB"/>
           </a:p>
@@ -671,7 +671,7 @@
           <a:p>
             <a:fld id="{4B1707ED-34AF-4580-B1E9-E117694A1AC2}" type="datetimeFigureOut">
               <a:rPr lang="en-GB" smtClean="0"/>
-              <a:t>26/11/2024</a:t>
+              <a:t>27/11/2024</a:t>
             </a:fld>
             <a:endParaRPr lang="en-GB"/>
           </a:p>
@@ -871,7 +871,7 @@
           <a:p>
             <a:fld id="{4B1707ED-34AF-4580-B1E9-E117694A1AC2}" type="datetimeFigureOut">
               <a:rPr lang="en-GB" smtClean="0"/>
-              <a:t>26/11/2024</a:t>
+              <a:t>27/11/2024</a:t>
             </a:fld>
             <a:endParaRPr lang="en-GB"/>
           </a:p>
@@ -1147,7 +1147,7 @@
           <a:p>
             <a:fld id="{4B1707ED-34AF-4580-B1E9-E117694A1AC2}" type="datetimeFigureOut">
               <a:rPr lang="en-GB" smtClean="0"/>
-              <a:t>26/11/2024</a:t>
+              <a:t>27/11/2024</a:t>
             </a:fld>
             <a:endParaRPr lang="en-GB"/>
           </a:p>
@@ -1415,7 +1415,7 @@
           <a:p>
             <a:fld id="{4B1707ED-34AF-4580-B1E9-E117694A1AC2}" type="datetimeFigureOut">
               <a:rPr lang="en-GB" smtClean="0"/>
-              <a:t>26/11/2024</a:t>
+              <a:t>27/11/2024</a:t>
             </a:fld>
             <a:endParaRPr lang="en-GB"/>
           </a:p>
@@ -1830,7 +1830,7 @@
           <a:p>
             <a:fld id="{4B1707ED-34AF-4580-B1E9-E117694A1AC2}" type="datetimeFigureOut">
               <a:rPr lang="en-GB" smtClean="0"/>
-              <a:t>26/11/2024</a:t>
+              <a:t>27/11/2024</a:t>
             </a:fld>
             <a:endParaRPr lang="en-GB"/>
           </a:p>
@@ -1972,7 +1972,7 @@
           <a:p>
             <a:fld id="{4B1707ED-34AF-4580-B1E9-E117694A1AC2}" type="datetimeFigureOut">
               <a:rPr lang="en-GB" smtClean="0"/>
-              <a:t>26/11/2024</a:t>
+              <a:t>27/11/2024</a:t>
             </a:fld>
             <a:endParaRPr lang="en-GB"/>
           </a:p>
@@ -2085,7 +2085,7 @@
           <a:p>
             <a:fld id="{4B1707ED-34AF-4580-B1E9-E117694A1AC2}" type="datetimeFigureOut">
               <a:rPr lang="en-GB" smtClean="0"/>
-              <a:t>26/11/2024</a:t>
+              <a:t>27/11/2024</a:t>
             </a:fld>
             <a:endParaRPr lang="en-GB"/>
           </a:p>
@@ -2398,7 +2398,7 @@
           <a:p>
             <a:fld id="{4B1707ED-34AF-4580-B1E9-E117694A1AC2}" type="datetimeFigureOut">
               <a:rPr lang="en-GB" smtClean="0"/>
-              <a:t>26/11/2024</a:t>
+              <a:t>27/11/2024</a:t>
             </a:fld>
             <a:endParaRPr lang="en-GB"/>
           </a:p>
@@ -2687,7 +2687,7 @@
           <a:p>
             <a:fld id="{4B1707ED-34AF-4580-B1E9-E117694A1AC2}" type="datetimeFigureOut">
               <a:rPr lang="en-GB" smtClean="0"/>
-              <a:t>26/11/2024</a:t>
+              <a:t>27/11/2024</a:t>
             </a:fld>
             <a:endParaRPr lang="en-GB"/>
           </a:p>
@@ -2930,7 +2930,7 @@
           <a:p>
             <a:fld id="{4B1707ED-34AF-4580-B1E9-E117694A1AC2}" type="datetimeFigureOut">
               <a:rPr lang="en-GB" smtClean="0"/>
-              <a:t>26/11/2024</a:t>
+              <a:t>27/11/2024</a:t>
             </a:fld>
             <a:endParaRPr lang="en-GB"/>
           </a:p>
@@ -3349,10 +3349,10 @@
       </p:grpSpPr>
       <p:pic>
         <p:nvPicPr>
-          <p:cNvPr id="4" name="Picture 3" descr="A screenshot of a computer&#10;&#10;Description automatically generated">
-            <a:extLst>
-              <a:ext uri="{FF2B5EF4-FFF2-40B4-BE49-F238E27FC236}">
-                <a16:creationId xmlns:a16="http://schemas.microsoft.com/office/drawing/2014/main" id="{A08EB5F3-7BD8-5969-9EDE-C47A21DB72F5}"/>
+          <p:cNvPr id="11" name="Picture 10">
+            <a:extLst>
+              <a:ext uri="{FF2B5EF4-FFF2-40B4-BE49-F238E27FC236}">
+                <a16:creationId xmlns:a16="http://schemas.microsoft.com/office/drawing/2014/main" id="{842C9A3C-F669-6586-5AC6-076DF2FABAEA}"/>
               </a:ext>
             </a:extLst>
           </p:cNvPr>
@@ -3361,31 +3361,19 @@
           </p:cNvPicPr>
           <p:nvPr/>
         </p:nvPicPr>
-        <p:blipFill>
-          <a:blip r:embed="rId2">
-            <a:extLst>
-              <a:ext uri="{28A0092B-C50C-407E-A947-70E740481C1C}">
-                <a14:useLocalDpi xmlns:a14="http://schemas.microsoft.com/office/drawing/2010/main" val="0"/>
-              </a:ext>
-            </a:extLst>
-          </a:blip>
-          <a:stretch>
-            <a:fillRect/>
-          </a:stretch>
+        <p:blipFill rotWithShape="1">
+          <a:blip r:embed="rId2"/>
+          <a:srcRect l="14000" t="24668" r="12395" b="11442"/>
+          <a:stretch/>
         </p:blipFill>
         <p:spPr>
           <a:xfrm>
-            <a:off x="240932" y="511483"/>
-            <a:ext cx="11593260" cy="4075206"/>
+            <a:off x="495831" y="4659574"/>
+            <a:ext cx="2160000" cy="2160000"/>
           </a:xfrm>
           <a:prstGeom prst="rect">
             <a:avLst/>
           </a:prstGeom>
-          <a:ln>
-            <a:solidFill>
-              <a:schemeClr val="tx1"/>
-            </a:solidFill>
-          </a:ln>
         </p:spPr>
       </p:pic>
       <p:sp>
@@ -3454,202 +3442,187 @@
           </a:p>
         </p:txBody>
       </p:sp>
-      <p:grpSp>
-        <p:nvGrpSpPr>
-          <p:cNvPr id="24" name="Group 23">
-            <a:extLst>
-              <a:ext uri="{FF2B5EF4-FFF2-40B4-BE49-F238E27FC236}">
-                <a16:creationId xmlns:a16="http://schemas.microsoft.com/office/drawing/2014/main" id="{91787919-3EE0-FDD0-796B-50D50A19942E}"/>
-              </a:ext>
-            </a:extLst>
-          </p:cNvPr>
-          <p:cNvGrpSpPr/>
+      <p:pic>
+        <p:nvPicPr>
+          <p:cNvPr id="19" name="Picture 18">
+            <a:extLst>
+              <a:ext uri="{FF2B5EF4-FFF2-40B4-BE49-F238E27FC236}">
+                <a16:creationId xmlns:a16="http://schemas.microsoft.com/office/drawing/2014/main" id="{813B11F0-09F8-A5E8-A460-8C33744D11C3}"/>
+              </a:ext>
+            </a:extLst>
+          </p:cNvPr>
+          <p:cNvPicPr>
+            <a:picLocks noChangeAspect="1"/>
+          </p:cNvPicPr>
           <p:nvPr/>
-        </p:nvGrpSpPr>
-        <p:grpSpPr>
+        </p:nvPicPr>
+        <p:blipFill rotWithShape="1">
+          <a:blip r:embed="rId3">
+            <a:extLst>
+              <a:ext uri="{28A0092B-C50C-407E-A947-70E740481C1C}">
+                <a14:useLocalDpi xmlns:a14="http://schemas.microsoft.com/office/drawing/2010/main" val="0"/>
+              </a:ext>
+            </a:extLst>
+          </a:blip>
+          <a:srcRect/>
+          <a:stretch/>
+        </p:blipFill>
+        <p:spPr>
           <a:xfrm>
-            <a:off x="495832" y="4659574"/>
-            <a:ext cx="11200337" cy="2160000"/>
-            <a:chOff x="60403" y="4659574"/>
-            <a:chExt cx="11200337" cy="2160000"/>
+            <a:off x="4770224" y="4659574"/>
+            <a:ext cx="2228178" cy="2160000"/>
           </a:xfrm>
-        </p:grpSpPr>
-        <p:pic>
-          <p:nvPicPr>
-            <p:cNvPr id="19" name="Picture 18">
-              <a:extLst>
-                <a:ext uri="{FF2B5EF4-FFF2-40B4-BE49-F238E27FC236}">
-                  <a16:creationId xmlns:a16="http://schemas.microsoft.com/office/drawing/2014/main" id="{813B11F0-09F8-A5E8-A460-8C33744D11C3}"/>
-                </a:ext>
-              </a:extLst>
-            </p:cNvPr>
-            <p:cNvPicPr>
-              <a:picLocks noChangeAspect="1"/>
-            </p:cNvPicPr>
-            <p:nvPr/>
-          </p:nvPicPr>
-          <p:blipFill rotWithShape="1">
-            <a:blip r:embed="rId3">
-              <a:extLst>
-                <a:ext uri="{28A0092B-C50C-407E-A947-70E740481C1C}">
-                  <a14:useLocalDpi xmlns:a14="http://schemas.microsoft.com/office/drawing/2010/main" val="0"/>
-                </a:ext>
-              </a:extLst>
-            </a:blip>
-            <a:srcRect/>
-            <a:stretch/>
-          </p:blipFill>
-          <p:spPr>
-            <a:xfrm>
-              <a:off x="4334795" y="4659574"/>
-              <a:ext cx="2228178" cy="2160000"/>
-            </a:xfrm>
-            <a:prstGeom prst="rect">
-              <a:avLst/>
-            </a:prstGeom>
-          </p:spPr>
-        </p:pic>
-        <p:pic>
-          <p:nvPicPr>
-            <p:cNvPr id="17" name="Picture 16">
-              <a:extLst>
-                <a:ext uri="{FF2B5EF4-FFF2-40B4-BE49-F238E27FC236}">
-                  <a16:creationId xmlns:a16="http://schemas.microsoft.com/office/drawing/2014/main" id="{EA15CAFF-518F-B657-BD9C-D0FCFE93F435}"/>
-                </a:ext>
-              </a:extLst>
-            </p:cNvPr>
-            <p:cNvPicPr>
-              <a:picLocks noChangeAspect="1"/>
-            </p:cNvPicPr>
-            <p:nvPr/>
-          </p:nvPicPr>
-          <p:blipFill rotWithShape="1">
-            <a:blip r:embed="rId4">
-              <a:extLst>
-                <a:ext uri="{28A0092B-C50C-407E-A947-70E740481C1C}">
-                  <a14:useLocalDpi xmlns:a14="http://schemas.microsoft.com/office/drawing/2010/main" val="0"/>
-                </a:ext>
-              </a:extLst>
-            </a:blip>
-            <a:srcRect/>
-            <a:stretch/>
-          </p:blipFill>
-          <p:spPr>
-            <a:xfrm>
-              <a:off x="2306977" y="4659574"/>
-              <a:ext cx="1941244" cy="2160000"/>
-            </a:xfrm>
-            <a:prstGeom prst="rect">
-              <a:avLst/>
-            </a:prstGeom>
-          </p:spPr>
-        </p:pic>
-        <p:pic>
-          <p:nvPicPr>
-            <p:cNvPr id="15" name="Picture 14">
-              <a:extLst>
-                <a:ext uri="{FF2B5EF4-FFF2-40B4-BE49-F238E27FC236}">
-                  <a16:creationId xmlns:a16="http://schemas.microsoft.com/office/drawing/2014/main" id="{FB645D77-E665-E780-10C4-B16974DDDE2D}"/>
-                </a:ext>
-              </a:extLst>
-            </p:cNvPr>
-            <p:cNvPicPr>
-              <a:picLocks noChangeAspect="1"/>
-            </p:cNvPicPr>
-            <p:nvPr/>
-          </p:nvPicPr>
-          <p:blipFill rotWithShape="1">
-            <a:blip r:embed="rId5">
-              <a:extLst>
-                <a:ext uri="{28A0092B-C50C-407E-A947-70E740481C1C}">
-                  <a14:useLocalDpi xmlns:a14="http://schemas.microsoft.com/office/drawing/2010/main" val="0"/>
-                </a:ext>
-              </a:extLst>
-            </a:blip>
-            <a:srcRect/>
-            <a:stretch/>
-          </p:blipFill>
-          <p:spPr>
-            <a:xfrm>
-              <a:off x="60403" y="4659574"/>
-              <a:ext cx="2160000" cy="2160000"/>
-            </a:xfrm>
-            <a:prstGeom prst="rect">
-              <a:avLst/>
-            </a:prstGeom>
-          </p:spPr>
-        </p:pic>
-        <p:pic>
-          <p:nvPicPr>
-            <p:cNvPr id="21" name="Picture 20">
-              <a:extLst>
-                <a:ext uri="{FF2B5EF4-FFF2-40B4-BE49-F238E27FC236}">
-                  <a16:creationId xmlns:a16="http://schemas.microsoft.com/office/drawing/2014/main" id="{CF6E9C4D-59D3-9E8E-574C-A4FE688CEC98}"/>
-                </a:ext>
-              </a:extLst>
-            </p:cNvPr>
-            <p:cNvPicPr>
-              <a:picLocks noChangeAspect="1"/>
-            </p:cNvPicPr>
-            <p:nvPr/>
-          </p:nvPicPr>
-          <p:blipFill rotWithShape="1">
-            <a:blip r:embed="rId6">
-              <a:extLst>
-                <a:ext uri="{28A0092B-C50C-407E-A947-70E740481C1C}">
-                  <a14:useLocalDpi xmlns:a14="http://schemas.microsoft.com/office/drawing/2010/main" val="0"/>
-                </a:ext>
-              </a:extLst>
-            </a:blip>
-            <a:srcRect/>
-            <a:stretch/>
-          </p:blipFill>
-          <p:spPr>
-            <a:xfrm>
-              <a:off x="6649547" y="4659574"/>
-              <a:ext cx="2126763" cy="2160000"/>
-            </a:xfrm>
-            <a:prstGeom prst="rect">
-              <a:avLst/>
-            </a:prstGeom>
-          </p:spPr>
-        </p:pic>
-        <p:pic>
-          <p:nvPicPr>
-            <p:cNvPr id="23" name="Picture 22">
-              <a:extLst>
-                <a:ext uri="{FF2B5EF4-FFF2-40B4-BE49-F238E27FC236}">
-                  <a16:creationId xmlns:a16="http://schemas.microsoft.com/office/drawing/2014/main" id="{5B547B2D-C11E-E8BD-46DA-35128B088942}"/>
-                </a:ext>
-              </a:extLst>
-            </p:cNvPr>
-            <p:cNvPicPr>
-              <a:picLocks noChangeAspect="1"/>
-            </p:cNvPicPr>
-            <p:nvPr/>
-          </p:nvPicPr>
-          <p:blipFill rotWithShape="1">
-            <a:blip r:embed="rId7">
-              <a:extLst>
-                <a:ext uri="{28A0092B-C50C-407E-A947-70E740481C1C}">
-                  <a14:useLocalDpi xmlns:a14="http://schemas.microsoft.com/office/drawing/2010/main" val="0"/>
-                </a:ext>
-              </a:extLst>
-            </a:blip>
-            <a:srcRect/>
-            <a:stretch/>
-          </p:blipFill>
-          <p:spPr>
-            <a:xfrm>
-              <a:off x="8862884" y="4659574"/>
-              <a:ext cx="2397856" cy="2160000"/>
-            </a:xfrm>
-            <a:prstGeom prst="rect">
-              <a:avLst/>
-            </a:prstGeom>
-          </p:spPr>
-        </p:pic>
-      </p:grpSp>
+          <a:prstGeom prst="rect">
+            <a:avLst/>
+          </a:prstGeom>
+        </p:spPr>
+      </p:pic>
+      <p:pic>
+        <p:nvPicPr>
+          <p:cNvPr id="17" name="Picture 16">
+            <a:extLst>
+              <a:ext uri="{FF2B5EF4-FFF2-40B4-BE49-F238E27FC236}">
+                <a16:creationId xmlns:a16="http://schemas.microsoft.com/office/drawing/2014/main" id="{EA15CAFF-518F-B657-BD9C-D0FCFE93F435}"/>
+              </a:ext>
+            </a:extLst>
+          </p:cNvPr>
+          <p:cNvPicPr>
+            <a:picLocks noChangeAspect="1"/>
+          </p:cNvPicPr>
+          <p:nvPr/>
+        </p:nvPicPr>
+        <p:blipFill rotWithShape="1">
+          <a:blip r:embed="rId4">
+            <a:extLst>
+              <a:ext uri="{28A0092B-C50C-407E-A947-70E740481C1C}">
+                <a14:useLocalDpi xmlns:a14="http://schemas.microsoft.com/office/drawing/2010/main" val="0"/>
+              </a:ext>
+            </a:extLst>
+          </a:blip>
+          <a:srcRect/>
+          <a:stretch/>
+        </p:blipFill>
+        <p:spPr>
+          <a:xfrm>
+            <a:off x="2742406" y="4659574"/>
+            <a:ext cx="1941244" cy="2160000"/>
+          </a:xfrm>
+          <a:prstGeom prst="rect">
+            <a:avLst/>
+          </a:prstGeom>
+        </p:spPr>
+      </p:pic>
+      <p:pic>
+        <p:nvPicPr>
+          <p:cNvPr id="21" name="Picture 20">
+            <a:extLst>
+              <a:ext uri="{FF2B5EF4-FFF2-40B4-BE49-F238E27FC236}">
+                <a16:creationId xmlns:a16="http://schemas.microsoft.com/office/drawing/2014/main" id="{CF6E9C4D-59D3-9E8E-574C-A4FE688CEC98}"/>
+              </a:ext>
+            </a:extLst>
+          </p:cNvPr>
+          <p:cNvPicPr>
+            <a:picLocks noChangeAspect="1"/>
+          </p:cNvPicPr>
+          <p:nvPr/>
+        </p:nvPicPr>
+        <p:blipFill rotWithShape="1">
+          <a:blip r:embed="rId5">
+            <a:extLst>
+              <a:ext uri="{28A0092B-C50C-407E-A947-70E740481C1C}">
+                <a14:useLocalDpi xmlns:a14="http://schemas.microsoft.com/office/drawing/2010/main" val="0"/>
+              </a:ext>
+            </a:extLst>
+          </a:blip>
+          <a:srcRect/>
+          <a:stretch/>
+        </p:blipFill>
+        <p:spPr>
+          <a:xfrm>
+            <a:off x="7084976" y="4659574"/>
+            <a:ext cx="2126763" cy="2160000"/>
+          </a:xfrm>
+          <a:prstGeom prst="rect">
+            <a:avLst/>
+          </a:prstGeom>
+        </p:spPr>
+      </p:pic>
+      <p:pic>
+        <p:nvPicPr>
+          <p:cNvPr id="23" name="Picture 22">
+            <a:extLst>
+              <a:ext uri="{FF2B5EF4-FFF2-40B4-BE49-F238E27FC236}">
+                <a16:creationId xmlns:a16="http://schemas.microsoft.com/office/drawing/2014/main" id="{5B547B2D-C11E-E8BD-46DA-35128B088942}"/>
+              </a:ext>
+            </a:extLst>
+          </p:cNvPr>
+          <p:cNvPicPr>
+            <a:picLocks noChangeAspect="1"/>
+          </p:cNvPicPr>
+          <p:nvPr/>
+        </p:nvPicPr>
+        <p:blipFill rotWithShape="1">
+          <a:blip r:embed="rId6">
+            <a:extLst>
+              <a:ext uri="{28A0092B-C50C-407E-A947-70E740481C1C}">
+                <a14:useLocalDpi xmlns:a14="http://schemas.microsoft.com/office/drawing/2010/main" val="0"/>
+              </a:ext>
+            </a:extLst>
+          </a:blip>
+          <a:srcRect/>
+          <a:stretch/>
+        </p:blipFill>
+        <p:spPr>
+          <a:xfrm>
+            <a:off x="9298313" y="4659574"/>
+            <a:ext cx="2397856" cy="2160000"/>
+          </a:xfrm>
+          <a:prstGeom prst="rect">
+            <a:avLst/>
+          </a:prstGeom>
+        </p:spPr>
+      </p:pic>
+      <p:pic>
+        <p:nvPicPr>
+          <p:cNvPr id="3" name="Picture 2" descr="A screenshot of a computer&#10;&#10;Description automatically generated">
+            <a:extLst>
+              <a:ext uri="{FF2B5EF4-FFF2-40B4-BE49-F238E27FC236}">
+                <a16:creationId xmlns:a16="http://schemas.microsoft.com/office/drawing/2014/main" id="{73A43B97-99BD-B1FB-F059-B811C2285138}"/>
+              </a:ext>
+            </a:extLst>
+          </p:cNvPr>
+          <p:cNvPicPr>
+            <a:picLocks noChangeAspect="1"/>
+          </p:cNvPicPr>
+          <p:nvPr/>
+        </p:nvPicPr>
+        <p:blipFill>
+          <a:blip r:embed="rId7">
+            <a:extLst>
+              <a:ext uri="{28A0092B-C50C-407E-A947-70E740481C1C}">
+                <a14:useLocalDpi xmlns:a14="http://schemas.microsoft.com/office/drawing/2010/main" val="0"/>
+              </a:ext>
+            </a:extLst>
+          </a:blip>
+          <a:stretch>
+            <a:fillRect/>
+          </a:stretch>
+        </p:blipFill>
+        <p:spPr>
+          <a:xfrm>
+            <a:off x="321974" y="508225"/>
+            <a:ext cx="11548053" cy="4072877"/>
+          </a:xfrm>
+          <a:prstGeom prst="rect">
+            <a:avLst/>
+          </a:prstGeom>
+          <a:ln>
+            <a:solidFill>
+              <a:schemeClr val="tx1"/>
+            </a:solidFill>
+          </a:ln>
+        </p:spPr>
+      </p:pic>
     </p:spTree>
     <p:extLst>
       <p:ext uri="{BB962C8B-B14F-4D97-AF65-F5344CB8AC3E}">

--- a/SnapVac3D-v1.0/ReadMeImages/ReadMePPT.pptx
+++ b/SnapVac3D-v1.0/ReadMeImages/ReadMePPT.pptx
@@ -261,7 +261,7 @@
           <a:p>
             <a:fld id="{4B1707ED-34AF-4580-B1E9-E117694A1AC2}" type="datetimeFigureOut">
               <a:rPr lang="en-GB" smtClean="0"/>
-              <a:t>27/11/2024</a:t>
+              <a:t>18/12/2024</a:t>
             </a:fld>
             <a:endParaRPr lang="en-GB"/>
           </a:p>
@@ -461,7 +461,7 @@
           <a:p>
             <a:fld id="{4B1707ED-34AF-4580-B1E9-E117694A1AC2}" type="datetimeFigureOut">
               <a:rPr lang="en-GB" smtClean="0"/>
-              <a:t>27/11/2024</a:t>
+              <a:t>18/12/2024</a:t>
             </a:fld>
             <a:endParaRPr lang="en-GB"/>
           </a:p>
@@ -671,7 +671,7 @@
           <a:p>
             <a:fld id="{4B1707ED-34AF-4580-B1E9-E117694A1AC2}" type="datetimeFigureOut">
               <a:rPr lang="en-GB" smtClean="0"/>
-              <a:t>27/11/2024</a:t>
+              <a:t>18/12/2024</a:t>
             </a:fld>
             <a:endParaRPr lang="en-GB"/>
           </a:p>
@@ -871,7 +871,7 @@
           <a:p>
             <a:fld id="{4B1707ED-34AF-4580-B1E9-E117694A1AC2}" type="datetimeFigureOut">
               <a:rPr lang="en-GB" smtClean="0"/>
-              <a:t>27/11/2024</a:t>
+              <a:t>18/12/2024</a:t>
             </a:fld>
             <a:endParaRPr lang="en-GB"/>
           </a:p>
@@ -1147,7 +1147,7 @@
           <a:p>
             <a:fld id="{4B1707ED-34AF-4580-B1E9-E117694A1AC2}" type="datetimeFigureOut">
               <a:rPr lang="en-GB" smtClean="0"/>
-              <a:t>27/11/2024</a:t>
+              <a:t>18/12/2024</a:t>
             </a:fld>
             <a:endParaRPr lang="en-GB"/>
           </a:p>
@@ -1415,7 +1415,7 @@
           <a:p>
             <a:fld id="{4B1707ED-34AF-4580-B1E9-E117694A1AC2}" type="datetimeFigureOut">
               <a:rPr lang="en-GB" smtClean="0"/>
-              <a:t>27/11/2024</a:t>
+              <a:t>18/12/2024</a:t>
             </a:fld>
             <a:endParaRPr lang="en-GB"/>
           </a:p>
@@ -1830,7 +1830,7 @@
           <a:p>
             <a:fld id="{4B1707ED-34AF-4580-B1E9-E117694A1AC2}" type="datetimeFigureOut">
               <a:rPr lang="en-GB" smtClean="0"/>
-              <a:t>27/11/2024</a:t>
+              <a:t>18/12/2024</a:t>
             </a:fld>
             <a:endParaRPr lang="en-GB"/>
           </a:p>
@@ -1972,7 +1972,7 @@
           <a:p>
             <a:fld id="{4B1707ED-34AF-4580-B1E9-E117694A1AC2}" type="datetimeFigureOut">
               <a:rPr lang="en-GB" smtClean="0"/>
-              <a:t>27/11/2024</a:t>
+              <a:t>18/12/2024</a:t>
             </a:fld>
             <a:endParaRPr lang="en-GB"/>
           </a:p>
@@ -2085,7 +2085,7 @@
           <a:p>
             <a:fld id="{4B1707ED-34AF-4580-B1E9-E117694A1AC2}" type="datetimeFigureOut">
               <a:rPr lang="en-GB" smtClean="0"/>
-              <a:t>27/11/2024</a:t>
+              <a:t>18/12/2024</a:t>
             </a:fld>
             <a:endParaRPr lang="en-GB"/>
           </a:p>
@@ -2398,7 +2398,7 @@
           <a:p>
             <a:fld id="{4B1707ED-34AF-4580-B1E9-E117694A1AC2}" type="datetimeFigureOut">
               <a:rPr lang="en-GB" smtClean="0"/>
-              <a:t>27/11/2024</a:t>
+              <a:t>18/12/2024</a:t>
             </a:fld>
             <a:endParaRPr lang="en-GB"/>
           </a:p>
@@ -2687,7 +2687,7 @@
           <a:p>
             <a:fld id="{4B1707ED-34AF-4580-B1E9-E117694A1AC2}" type="datetimeFigureOut">
               <a:rPr lang="en-GB" smtClean="0"/>
-              <a:t>27/11/2024</a:t>
+              <a:t>18/12/2024</a:t>
             </a:fld>
             <a:endParaRPr lang="en-GB"/>
           </a:p>
@@ -2930,7 +2930,7 @@
           <a:p>
             <a:fld id="{4B1707ED-34AF-4580-B1E9-E117694A1AC2}" type="datetimeFigureOut">
               <a:rPr lang="en-GB" smtClean="0"/>
-              <a:t>27/11/2024</a:t>
+              <a:t>18/12/2024</a:t>
             </a:fld>
             <a:endParaRPr lang="en-GB"/>
           </a:p>
@@ -3349,6 +3349,47 @@
       </p:grpSpPr>
       <p:pic>
         <p:nvPicPr>
+          <p:cNvPr id="4" name="Picture 3" descr="A screenshot of a computer&#10;&#10;Description automatically generated">
+            <a:extLst>
+              <a:ext uri="{FF2B5EF4-FFF2-40B4-BE49-F238E27FC236}">
+                <a16:creationId xmlns:a16="http://schemas.microsoft.com/office/drawing/2014/main" id="{8BFE1B3A-48A2-2245-2E18-5327CE43763D}"/>
+              </a:ext>
+            </a:extLst>
+          </p:cNvPr>
+          <p:cNvPicPr>
+            <a:picLocks noChangeAspect="1"/>
+          </p:cNvPicPr>
+          <p:nvPr/>
+        </p:nvPicPr>
+        <p:blipFill>
+          <a:blip r:embed="rId2">
+            <a:extLst>
+              <a:ext uri="{28A0092B-C50C-407E-A947-70E740481C1C}">
+                <a14:useLocalDpi xmlns:a14="http://schemas.microsoft.com/office/drawing/2010/main" val="0"/>
+              </a:ext>
+            </a:extLst>
+          </a:blip>
+          <a:stretch>
+            <a:fillRect/>
+          </a:stretch>
+        </p:blipFill>
+        <p:spPr>
+          <a:xfrm>
+            <a:off x="321973" y="508224"/>
+            <a:ext cx="11548052" cy="4020330"/>
+          </a:xfrm>
+          <a:prstGeom prst="rect">
+            <a:avLst/>
+          </a:prstGeom>
+          <a:ln>
+            <a:solidFill>
+              <a:schemeClr val="tx1"/>
+            </a:solidFill>
+          </a:ln>
+        </p:spPr>
+      </p:pic>
+      <p:pic>
+        <p:nvPicPr>
           <p:cNvPr id="11" name="Picture 10">
             <a:extLst>
               <a:ext uri="{FF2B5EF4-FFF2-40B4-BE49-F238E27FC236}">
@@ -3362,7 +3403,7 @@
           <p:nvPr/>
         </p:nvPicPr>
         <p:blipFill rotWithShape="1">
-          <a:blip r:embed="rId2"/>
+          <a:blip r:embed="rId3"/>
           <a:srcRect l="14000" t="24668" r="12395" b="11442"/>
           <a:stretch/>
         </p:blipFill>
@@ -3457,7 +3498,7 @@
           <p:nvPr/>
         </p:nvPicPr>
         <p:blipFill rotWithShape="1">
-          <a:blip r:embed="rId3">
+          <a:blip r:embed="rId4">
             <a:extLst>
               <a:ext uri="{28A0092B-C50C-407E-A947-70E740481C1C}">
                 <a14:useLocalDpi xmlns:a14="http://schemas.microsoft.com/office/drawing/2010/main" val="0"/>
@@ -3492,7 +3533,7 @@
           <p:nvPr/>
         </p:nvPicPr>
         <p:blipFill rotWithShape="1">
-          <a:blip r:embed="rId4">
+          <a:blip r:embed="rId5">
             <a:extLst>
               <a:ext uri="{28A0092B-C50C-407E-A947-70E740481C1C}">
                 <a14:useLocalDpi xmlns:a14="http://schemas.microsoft.com/office/drawing/2010/main" val="0"/>
@@ -3527,7 +3568,7 @@
           <p:nvPr/>
         </p:nvPicPr>
         <p:blipFill rotWithShape="1">
-          <a:blip r:embed="rId5">
+          <a:blip r:embed="rId6">
             <a:extLst>
               <a:ext uri="{28A0092B-C50C-407E-A947-70E740481C1C}">
                 <a14:useLocalDpi xmlns:a14="http://schemas.microsoft.com/office/drawing/2010/main" val="0"/>
@@ -3562,7 +3603,7 @@
           <p:nvPr/>
         </p:nvPicPr>
         <p:blipFill rotWithShape="1">
-          <a:blip r:embed="rId6">
+          <a:blip r:embed="rId7">
             <a:extLst>
               <a:ext uri="{28A0092B-C50C-407E-A947-70E740481C1C}">
                 <a14:useLocalDpi xmlns:a14="http://schemas.microsoft.com/office/drawing/2010/main" val="0"/>
@@ -3580,47 +3621,6 @@
           <a:prstGeom prst="rect">
             <a:avLst/>
           </a:prstGeom>
-        </p:spPr>
-      </p:pic>
-      <p:pic>
-        <p:nvPicPr>
-          <p:cNvPr id="3" name="Picture 2" descr="A screenshot of a computer&#10;&#10;Description automatically generated">
-            <a:extLst>
-              <a:ext uri="{FF2B5EF4-FFF2-40B4-BE49-F238E27FC236}">
-                <a16:creationId xmlns:a16="http://schemas.microsoft.com/office/drawing/2014/main" id="{73A43B97-99BD-B1FB-F059-B811C2285138}"/>
-              </a:ext>
-            </a:extLst>
-          </p:cNvPr>
-          <p:cNvPicPr>
-            <a:picLocks noChangeAspect="1"/>
-          </p:cNvPicPr>
-          <p:nvPr/>
-        </p:nvPicPr>
-        <p:blipFill>
-          <a:blip r:embed="rId7">
-            <a:extLst>
-              <a:ext uri="{28A0092B-C50C-407E-A947-70E740481C1C}">
-                <a14:useLocalDpi xmlns:a14="http://schemas.microsoft.com/office/drawing/2010/main" val="0"/>
-              </a:ext>
-            </a:extLst>
-          </a:blip>
-          <a:stretch>
-            <a:fillRect/>
-          </a:stretch>
-        </p:blipFill>
-        <p:spPr>
-          <a:xfrm>
-            <a:off x="321974" y="508225"/>
-            <a:ext cx="11548053" cy="4072877"/>
-          </a:xfrm>
-          <a:prstGeom prst="rect">
-            <a:avLst/>
-          </a:prstGeom>
-          <a:ln>
-            <a:solidFill>
-              <a:schemeClr val="tx1"/>
-            </a:solidFill>
-          </a:ln>
         </p:spPr>
       </p:pic>
     </p:spTree>
